--- a/ppt 16-9/1315.我赤身出于母.pptx
+++ b/ppt 16-9/1315.我赤身出于母.pptx
@@ -129,7 +129,7 @@
           <p:cNvPr id="2" name="标题 1">
             <a:extLst>
               <a:ext uri="{FF2B5EF4-FFF2-40B4-BE49-F238E27FC236}">
-                <a16:creationId xmlns:a16="http://schemas.microsoft.com/office/drawing/2014/main" id="{D9FB9F83-71BB-6927-532C-C71C1E3CE4C8}"/>
+                <a16:creationId xmlns:a16="http://schemas.microsoft.com/office/drawing/2014/main" id="{997DE699-5E43-DF59-BCFA-75527AE8886E}"/>
               </a:ext>
             </a:extLst>
           </p:cNvPr>
@@ -166,7 +166,7 @@
           <p:cNvPr id="3" name="副标题 2">
             <a:extLst>
               <a:ext uri="{FF2B5EF4-FFF2-40B4-BE49-F238E27FC236}">
-                <a16:creationId xmlns:a16="http://schemas.microsoft.com/office/drawing/2014/main" id="{EEAF15F1-35A5-3E25-97ED-B21B4E4E8849}"/>
+                <a16:creationId xmlns:a16="http://schemas.microsoft.com/office/drawing/2014/main" id="{FC95454D-D481-082D-ED32-C5F06D43B775}"/>
               </a:ext>
             </a:extLst>
           </p:cNvPr>
@@ -236,7 +236,7 @@
           <p:cNvPr id="4" name="日期占位符 3">
             <a:extLst>
               <a:ext uri="{FF2B5EF4-FFF2-40B4-BE49-F238E27FC236}">
-                <a16:creationId xmlns:a16="http://schemas.microsoft.com/office/drawing/2014/main" id="{B961F4ED-F43D-8D11-3A0A-0F25ED09D534}"/>
+                <a16:creationId xmlns:a16="http://schemas.microsoft.com/office/drawing/2014/main" id="{C46FB1CA-B396-C12E-CD6C-D5EDFF306636}"/>
               </a:ext>
             </a:extLst>
           </p:cNvPr>
@@ -252,7 +252,7 @@
           <a:bodyPr/>
           <a:lstStyle/>
           <a:p>
-            <a:fld id="{83EDB0BC-C575-4A4C-AFE8-31645BDC47E9}" type="datetimeFigureOut">
+            <a:fld id="{D754B860-B0AF-44B4-A9AA-1A6793093E98}" type="datetimeFigureOut">
               <a:rPr lang="zh-CN" altLang="en-US" smtClean="0"/>
               <a:t>2024/3/10</a:t>
             </a:fld>
@@ -265,7 +265,7 @@
           <p:cNvPr id="5" name="页脚占位符 4">
             <a:extLst>
               <a:ext uri="{FF2B5EF4-FFF2-40B4-BE49-F238E27FC236}">
-                <a16:creationId xmlns:a16="http://schemas.microsoft.com/office/drawing/2014/main" id="{4AA38E5C-0CEF-6353-7BAB-7957BDD0EC8A}"/>
+                <a16:creationId xmlns:a16="http://schemas.microsoft.com/office/drawing/2014/main" id="{88DD638D-D19B-1192-8B69-F9585F981257}"/>
               </a:ext>
             </a:extLst>
           </p:cNvPr>
@@ -290,7 +290,7 @@
           <p:cNvPr id="6" name="灯片编号占位符 5">
             <a:extLst>
               <a:ext uri="{FF2B5EF4-FFF2-40B4-BE49-F238E27FC236}">
-                <a16:creationId xmlns:a16="http://schemas.microsoft.com/office/drawing/2014/main" id="{0F71F1FF-C016-9D8C-9009-2F3F8508CD57}"/>
+                <a16:creationId xmlns:a16="http://schemas.microsoft.com/office/drawing/2014/main" id="{F1EFF2ED-69B8-BC7C-BF2A-B0FF56C4746C}"/>
               </a:ext>
             </a:extLst>
           </p:cNvPr>
@@ -306,7 +306,7 @@
           <a:bodyPr/>
           <a:lstStyle/>
           <a:p>
-            <a:fld id="{798C8AB1-C6FE-485F-A8AC-710E71562A89}" type="slidenum">
+            <a:fld id="{77E951E1-B99B-46E8-8DF4-3E5D8A85DE22}" type="slidenum">
               <a:rPr lang="zh-CN" altLang="en-US" smtClean="0"/>
               <a:t>‹#›</a:t>
             </a:fld>
@@ -317,7 +317,7 @@
     </p:spTree>
     <p:extLst>
       <p:ext uri="{BB962C8B-B14F-4D97-AF65-F5344CB8AC3E}">
-        <p14:creationId xmlns:p14="http://schemas.microsoft.com/office/powerpoint/2010/main" val="2818258818"/>
+        <p14:creationId xmlns:p14="http://schemas.microsoft.com/office/powerpoint/2010/main" val="1685361165"/>
       </p:ext>
     </p:extLst>
   </p:cSld>
@@ -349,7 +349,7 @@
           <p:cNvPr id="2" name="标题 1">
             <a:extLst>
               <a:ext uri="{FF2B5EF4-FFF2-40B4-BE49-F238E27FC236}">
-                <a16:creationId xmlns:a16="http://schemas.microsoft.com/office/drawing/2014/main" id="{48EB4381-3FF0-AA60-CC19-26CED228743D}"/>
+                <a16:creationId xmlns:a16="http://schemas.microsoft.com/office/drawing/2014/main" id="{4CCC9E5C-CDB1-3C0A-1906-EDCE85E955D5}"/>
               </a:ext>
             </a:extLst>
           </p:cNvPr>
@@ -377,7 +377,7 @@
           <p:cNvPr id="3" name="竖排文字占位符 2">
             <a:extLst>
               <a:ext uri="{FF2B5EF4-FFF2-40B4-BE49-F238E27FC236}">
-                <a16:creationId xmlns:a16="http://schemas.microsoft.com/office/drawing/2014/main" id="{4D62EE59-5165-7205-0532-C47FD0BF4B5B}"/>
+                <a16:creationId xmlns:a16="http://schemas.microsoft.com/office/drawing/2014/main" id="{9971A247-5033-3E3A-DB4F-EAB12D376239}"/>
               </a:ext>
             </a:extLst>
           </p:cNvPr>
@@ -434,7 +434,7 @@
           <p:cNvPr id="4" name="日期占位符 3">
             <a:extLst>
               <a:ext uri="{FF2B5EF4-FFF2-40B4-BE49-F238E27FC236}">
-                <a16:creationId xmlns:a16="http://schemas.microsoft.com/office/drawing/2014/main" id="{F97E5DC6-889A-B92E-BB2B-F32BB1BA9C06}"/>
+                <a16:creationId xmlns:a16="http://schemas.microsoft.com/office/drawing/2014/main" id="{7866459B-8925-00BA-467B-3A0534B128FC}"/>
               </a:ext>
             </a:extLst>
           </p:cNvPr>
@@ -450,7 +450,7 @@
           <a:bodyPr/>
           <a:lstStyle/>
           <a:p>
-            <a:fld id="{83EDB0BC-C575-4A4C-AFE8-31645BDC47E9}" type="datetimeFigureOut">
+            <a:fld id="{D754B860-B0AF-44B4-A9AA-1A6793093E98}" type="datetimeFigureOut">
               <a:rPr lang="zh-CN" altLang="en-US" smtClean="0"/>
               <a:t>2024/3/10</a:t>
             </a:fld>
@@ -463,7 +463,7 @@
           <p:cNvPr id="5" name="页脚占位符 4">
             <a:extLst>
               <a:ext uri="{FF2B5EF4-FFF2-40B4-BE49-F238E27FC236}">
-                <a16:creationId xmlns:a16="http://schemas.microsoft.com/office/drawing/2014/main" id="{0644F21A-8861-F311-AD3A-C2F9A67A26B3}"/>
+                <a16:creationId xmlns:a16="http://schemas.microsoft.com/office/drawing/2014/main" id="{E8D8FAB3-EA01-269F-DE1F-0511FD831381}"/>
               </a:ext>
             </a:extLst>
           </p:cNvPr>
@@ -488,7 +488,7 @@
           <p:cNvPr id="6" name="灯片编号占位符 5">
             <a:extLst>
               <a:ext uri="{FF2B5EF4-FFF2-40B4-BE49-F238E27FC236}">
-                <a16:creationId xmlns:a16="http://schemas.microsoft.com/office/drawing/2014/main" id="{BA78E830-F34B-A619-C78F-74C6F17F9CEE}"/>
+                <a16:creationId xmlns:a16="http://schemas.microsoft.com/office/drawing/2014/main" id="{A8230189-0DBA-76C9-5FF2-46797B7195FC}"/>
               </a:ext>
             </a:extLst>
           </p:cNvPr>
@@ -504,7 +504,7 @@
           <a:bodyPr/>
           <a:lstStyle/>
           <a:p>
-            <a:fld id="{798C8AB1-C6FE-485F-A8AC-710E71562A89}" type="slidenum">
+            <a:fld id="{77E951E1-B99B-46E8-8DF4-3E5D8A85DE22}" type="slidenum">
               <a:rPr lang="zh-CN" altLang="en-US" smtClean="0"/>
               <a:t>‹#›</a:t>
             </a:fld>
@@ -515,7 +515,7 @@
     </p:spTree>
     <p:extLst>
       <p:ext uri="{BB962C8B-B14F-4D97-AF65-F5344CB8AC3E}">
-        <p14:creationId xmlns:p14="http://schemas.microsoft.com/office/powerpoint/2010/main" val="3240759818"/>
+        <p14:creationId xmlns:p14="http://schemas.microsoft.com/office/powerpoint/2010/main" val="3760458717"/>
       </p:ext>
     </p:extLst>
   </p:cSld>
@@ -547,7 +547,7 @@
           <p:cNvPr id="2" name="竖排标题 1">
             <a:extLst>
               <a:ext uri="{FF2B5EF4-FFF2-40B4-BE49-F238E27FC236}">
-                <a16:creationId xmlns:a16="http://schemas.microsoft.com/office/drawing/2014/main" id="{2E5758BE-9E6E-5096-33C2-3E008B1DE2D5}"/>
+                <a16:creationId xmlns:a16="http://schemas.microsoft.com/office/drawing/2014/main" id="{C2E2D196-62C1-EF76-DB84-E6E223331216}"/>
               </a:ext>
             </a:extLst>
           </p:cNvPr>
@@ -580,7 +580,7 @@
           <p:cNvPr id="3" name="竖排文字占位符 2">
             <a:extLst>
               <a:ext uri="{FF2B5EF4-FFF2-40B4-BE49-F238E27FC236}">
-                <a16:creationId xmlns:a16="http://schemas.microsoft.com/office/drawing/2014/main" id="{F8780C86-82B0-0E3C-8AC2-E2472CF14D6E}"/>
+                <a16:creationId xmlns:a16="http://schemas.microsoft.com/office/drawing/2014/main" id="{B7081B3F-9458-F479-D558-8FEF46E1E22F}"/>
               </a:ext>
             </a:extLst>
           </p:cNvPr>
@@ -642,7 +642,7 @@
           <p:cNvPr id="4" name="日期占位符 3">
             <a:extLst>
               <a:ext uri="{FF2B5EF4-FFF2-40B4-BE49-F238E27FC236}">
-                <a16:creationId xmlns:a16="http://schemas.microsoft.com/office/drawing/2014/main" id="{D305B683-5C36-7369-2FF5-5DD7B9CA563A}"/>
+                <a16:creationId xmlns:a16="http://schemas.microsoft.com/office/drawing/2014/main" id="{BF2D55B6-B45F-0F04-969B-BB7882633F03}"/>
               </a:ext>
             </a:extLst>
           </p:cNvPr>
@@ -658,7 +658,7 @@
           <a:bodyPr/>
           <a:lstStyle/>
           <a:p>
-            <a:fld id="{83EDB0BC-C575-4A4C-AFE8-31645BDC47E9}" type="datetimeFigureOut">
+            <a:fld id="{D754B860-B0AF-44B4-A9AA-1A6793093E98}" type="datetimeFigureOut">
               <a:rPr lang="zh-CN" altLang="en-US" smtClean="0"/>
               <a:t>2024/3/10</a:t>
             </a:fld>
@@ -671,7 +671,7 @@
           <p:cNvPr id="5" name="页脚占位符 4">
             <a:extLst>
               <a:ext uri="{FF2B5EF4-FFF2-40B4-BE49-F238E27FC236}">
-                <a16:creationId xmlns:a16="http://schemas.microsoft.com/office/drawing/2014/main" id="{FDDB791C-26AE-3C2C-B95F-299E057A42F4}"/>
+                <a16:creationId xmlns:a16="http://schemas.microsoft.com/office/drawing/2014/main" id="{49A923A8-75E5-FA37-5351-7743CEC211B9}"/>
               </a:ext>
             </a:extLst>
           </p:cNvPr>
@@ -696,7 +696,7 @@
           <p:cNvPr id="6" name="灯片编号占位符 5">
             <a:extLst>
               <a:ext uri="{FF2B5EF4-FFF2-40B4-BE49-F238E27FC236}">
-                <a16:creationId xmlns:a16="http://schemas.microsoft.com/office/drawing/2014/main" id="{3E0E6B50-3134-9DCB-FFB7-25F392606C71}"/>
+                <a16:creationId xmlns:a16="http://schemas.microsoft.com/office/drawing/2014/main" id="{45891C19-69FE-1497-1117-1740ADC56A2C}"/>
               </a:ext>
             </a:extLst>
           </p:cNvPr>
@@ -712,7 +712,7 @@
           <a:bodyPr/>
           <a:lstStyle/>
           <a:p>
-            <a:fld id="{798C8AB1-C6FE-485F-A8AC-710E71562A89}" type="slidenum">
+            <a:fld id="{77E951E1-B99B-46E8-8DF4-3E5D8A85DE22}" type="slidenum">
               <a:rPr lang="zh-CN" altLang="en-US" smtClean="0"/>
               <a:t>‹#›</a:t>
             </a:fld>
@@ -723,7 +723,7 @@
     </p:spTree>
     <p:extLst>
       <p:ext uri="{BB962C8B-B14F-4D97-AF65-F5344CB8AC3E}">
-        <p14:creationId xmlns:p14="http://schemas.microsoft.com/office/powerpoint/2010/main" val="2844033208"/>
+        <p14:creationId xmlns:p14="http://schemas.microsoft.com/office/powerpoint/2010/main" val="834064478"/>
       </p:ext>
     </p:extLst>
   </p:cSld>
@@ -755,7 +755,7 @@
           <p:cNvPr id="2" name="标题 1">
             <a:extLst>
               <a:ext uri="{FF2B5EF4-FFF2-40B4-BE49-F238E27FC236}">
-                <a16:creationId xmlns:a16="http://schemas.microsoft.com/office/drawing/2014/main" id="{FB37A3A0-2505-79B7-1062-5FD141E0B472}"/>
+                <a16:creationId xmlns:a16="http://schemas.microsoft.com/office/drawing/2014/main" id="{ED3B43BF-F70E-3ADF-6550-492DE01DA15D}"/>
               </a:ext>
             </a:extLst>
           </p:cNvPr>
@@ -783,7 +783,7 @@
           <p:cNvPr id="3" name="内容占位符 2">
             <a:extLst>
               <a:ext uri="{FF2B5EF4-FFF2-40B4-BE49-F238E27FC236}">
-                <a16:creationId xmlns:a16="http://schemas.microsoft.com/office/drawing/2014/main" id="{567583F5-7F98-7E32-9AAB-A0A8AC13AF25}"/>
+                <a16:creationId xmlns:a16="http://schemas.microsoft.com/office/drawing/2014/main" id="{403C6868-D507-D4BC-BEC0-674A9D260AE9}"/>
               </a:ext>
             </a:extLst>
           </p:cNvPr>
@@ -840,7 +840,7 @@
           <p:cNvPr id="4" name="日期占位符 3">
             <a:extLst>
               <a:ext uri="{FF2B5EF4-FFF2-40B4-BE49-F238E27FC236}">
-                <a16:creationId xmlns:a16="http://schemas.microsoft.com/office/drawing/2014/main" id="{AACFD95D-4FCB-E470-678D-7AE39C2D2EBF}"/>
+                <a16:creationId xmlns:a16="http://schemas.microsoft.com/office/drawing/2014/main" id="{0813711D-9350-2C8E-96B8-F21B2AF8B00A}"/>
               </a:ext>
             </a:extLst>
           </p:cNvPr>
@@ -856,7 +856,7 @@
           <a:bodyPr/>
           <a:lstStyle/>
           <a:p>
-            <a:fld id="{83EDB0BC-C575-4A4C-AFE8-31645BDC47E9}" type="datetimeFigureOut">
+            <a:fld id="{D754B860-B0AF-44B4-A9AA-1A6793093E98}" type="datetimeFigureOut">
               <a:rPr lang="zh-CN" altLang="en-US" smtClean="0"/>
               <a:t>2024/3/10</a:t>
             </a:fld>
@@ -869,7 +869,7 @@
           <p:cNvPr id="5" name="页脚占位符 4">
             <a:extLst>
               <a:ext uri="{FF2B5EF4-FFF2-40B4-BE49-F238E27FC236}">
-                <a16:creationId xmlns:a16="http://schemas.microsoft.com/office/drawing/2014/main" id="{21F201CC-BEE3-9E7C-8CF8-CAD307895465}"/>
+                <a16:creationId xmlns:a16="http://schemas.microsoft.com/office/drawing/2014/main" id="{1E85A4A4-FF4E-1D82-7DC0-7D4DCF60AC93}"/>
               </a:ext>
             </a:extLst>
           </p:cNvPr>
@@ -894,7 +894,7 @@
           <p:cNvPr id="6" name="灯片编号占位符 5">
             <a:extLst>
               <a:ext uri="{FF2B5EF4-FFF2-40B4-BE49-F238E27FC236}">
-                <a16:creationId xmlns:a16="http://schemas.microsoft.com/office/drawing/2014/main" id="{FB245629-B22E-EF01-5BD3-EDF6C78D1B2F}"/>
+                <a16:creationId xmlns:a16="http://schemas.microsoft.com/office/drawing/2014/main" id="{10B018F2-3B3D-E1C8-3CFD-CC405F2B08B8}"/>
               </a:ext>
             </a:extLst>
           </p:cNvPr>
@@ -910,7 +910,7 @@
           <a:bodyPr/>
           <a:lstStyle/>
           <a:p>
-            <a:fld id="{798C8AB1-C6FE-485F-A8AC-710E71562A89}" type="slidenum">
+            <a:fld id="{77E951E1-B99B-46E8-8DF4-3E5D8A85DE22}" type="slidenum">
               <a:rPr lang="zh-CN" altLang="en-US" smtClean="0"/>
               <a:t>‹#›</a:t>
             </a:fld>
@@ -921,7 +921,7 @@
     </p:spTree>
     <p:extLst>
       <p:ext uri="{BB962C8B-B14F-4D97-AF65-F5344CB8AC3E}">
-        <p14:creationId xmlns:p14="http://schemas.microsoft.com/office/powerpoint/2010/main" val="1670359443"/>
+        <p14:creationId xmlns:p14="http://schemas.microsoft.com/office/powerpoint/2010/main" val="4286659231"/>
       </p:ext>
     </p:extLst>
   </p:cSld>
@@ -953,7 +953,7 @@
           <p:cNvPr id="2" name="标题 1">
             <a:extLst>
               <a:ext uri="{FF2B5EF4-FFF2-40B4-BE49-F238E27FC236}">
-                <a16:creationId xmlns:a16="http://schemas.microsoft.com/office/drawing/2014/main" id="{5E80727F-6200-ED2E-ECDB-1609EDF03F63}"/>
+                <a16:creationId xmlns:a16="http://schemas.microsoft.com/office/drawing/2014/main" id="{B707BB90-FFBD-1FD7-82BE-4CAD39ADB13F}"/>
               </a:ext>
             </a:extLst>
           </p:cNvPr>
@@ -990,7 +990,7 @@
           <p:cNvPr id="3" name="文本占位符 2">
             <a:extLst>
               <a:ext uri="{FF2B5EF4-FFF2-40B4-BE49-F238E27FC236}">
-                <a16:creationId xmlns:a16="http://schemas.microsoft.com/office/drawing/2014/main" id="{DE5F3C7E-AA73-A433-4FCE-3819E662EE25}"/>
+                <a16:creationId xmlns:a16="http://schemas.microsoft.com/office/drawing/2014/main" id="{D28E82D4-20B7-5D4C-7E7A-C1F711EF4B0E}"/>
               </a:ext>
             </a:extLst>
           </p:cNvPr>
@@ -1115,7 +1115,7 @@
           <p:cNvPr id="4" name="日期占位符 3">
             <a:extLst>
               <a:ext uri="{FF2B5EF4-FFF2-40B4-BE49-F238E27FC236}">
-                <a16:creationId xmlns:a16="http://schemas.microsoft.com/office/drawing/2014/main" id="{66713098-D52E-527B-5DDD-48F7A8FC8E29}"/>
+                <a16:creationId xmlns:a16="http://schemas.microsoft.com/office/drawing/2014/main" id="{77B93B81-01B2-744A-0992-5BE4F2C8A9D4}"/>
               </a:ext>
             </a:extLst>
           </p:cNvPr>
@@ -1131,7 +1131,7 @@
           <a:bodyPr/>
           <a:lstStyle/>
           <a:p>
-            <a:fld id="{83EDB0BC-C575-4A4C-AFE8-31645BDC47E9}" type="datetimeFigureOut">
+            <a:fld id="{D754B860-B0AF-44B4-A9AA-1A6793093E98}" type="datetimeFigureOut">
               <a:rPr lang="zh-CN" altLang="en-US" smtClean="0"/>
               <a:t>2024/3/10</a:t>
             </a:fld>
@@ -1144,7 +1144,7 @@
           <p:cNvPr id="5" name="页脚占位符 4">
             <a:extLst>
               <a:ext uri="{FF2B5EF4-FFF2-40B4-BE49-F238E27FC236}">
-                <a16:creationId xmlns:a16="http://schemas.microsoft.com/office/drawing/2014/main" id="{0B865C96-1ED0-99AF-A6D0-7FFD870799CB}"/>
+                <a16:creationId xmlns:a16="http://schemas.microsoft.com/office/drawing/2014/main" id="{78B551FD-2C45-6E72-6880-29CB61306151}"/>
               </a:ext>
             </a:extLst>
           </p:cNvPr>
@@ -1169,7 +1169,7 @@
           <p:cNvPr id="6" name="灯片编号占位符 5">
             <a:extLst>
               <a:ext uri="{FF2B5EF4-FFF2-40B4-BE49-F238E27FC236}">
-                <a16:creationId xmlns:a16="http://schemas.microsoft.com/office/drawing/2014/main" id="{238E3717-FB13-54CB-51E4-825D60FC5061}"/>
+                <a16:creationId xmlns:a16="http://schemas.microsoft.com/office/drawing/2014/main" id="{8E2853EF-5B69-7128-DF2C-2CCA3ECB6529}"/>
               </a:ext>
             </a:extLst>
           </p:cNvPr>
@@ -1185,7 +1185,7 @@
           <a:bodyPr/>
           <a:lstStyle/>
           <a:p>
-            <a:fld id="{798C8AB1-C6FE-485F-A8AC-710E71562A89}" type="slidenum">
+            <a:fld id="{77E951E1-B99B-46E8-8DF4-3E5D8A85DE22}" type="slidenum">
               <a:rPr lang="zh-CN" altLang="en-US" smtClean="0"/>
               <a:t>‹#›</a:t>
             </a:fld>
@@ -1196,7 +1196,7 @@
     </p:spTree>
     <p:extLst>
       <p:ext uri="{BB962C8B-B14F-4D97-AF65-F5344CB8AC3E}">
-        <p14:creationId xmlns:p14="http://schemas.microsoft.com/office/powerpoint/2010/main" val="3659187982"/>
+        <p14:creationId xmlns:p14="http://schemas.microsoft.com/office/powerpoint/2010/main" val="593635059"/>
       </p:ext>
     </p:extLst>
   </p:cSld>
@@ -1228,7 +1228,7 @@
           <p:cNvPr id="2" name="标题 1">
             <a:extLst>
               <a:ext uri="{FF2B5EF4-FFF2-40B4-BE49-F238E27FC236}">
-                <a16:creationId xmlns:a16="http://schemas.microsoft.com/office/drawing/2014/main" id="{6CC8375A-DF75-5C20-3F1F-D60D810543A0}"/>
+                <a16:creationId xmlns:a16="http://schemas.microsoft.com/office/drawing/2014/main" id="{3296B953-A574-2F33-66FF-EDCD5371F553}"/>
               </a:ext>
             </a:extLst>
           </p:cNvPr>
@@ -1256,7 +1256,7 @@
           <p:cNvPr id="3" name="内容占位符 2">
             <a:extLst>
               <a:ext uri="{FF2B5EF4-FFF2-40B4-BE49-F238E27FC236}">
-                <a16:creationId xmlns:a16="http://schemas.microsoft.com/office/drawing/2014/main" id="{F15CA564-AF67-B7A2-2158-76A7EAB14C21}"/>
+                <a16:creationId xmlns:a16="http://schemas.microsoft.com/office/drawing/2014/main" id="{323D915E-CACD-4EED-BE82-675F540E714E}"/>
               </a:ext>
             </a:extLst>
           </p:cNvPr>
@@ -1318,7 +1318,7 @@
           <p:cNvPr id="4" name="内容占位符 3">
             <a:extLst>
               <a:ext uri="{FF2B5EF4-FFF2-40B4-BE49-F238E27FC236}">
-                <a16:creationId xmlns:a16="http://schemas.microsoft.com/office/drawing/2014/main" id="{07FF5A11-81BB-DD06-A36C-0FA05613DADF}"/>
+                <a16:creationId xmlns:a16="http://schemas.microsoft.com/office/drawing/2014/main" id="{29768BA1-FE4D-F439-AC20-6AB88C20BAF4}"/>
               </a:ext>
             </a:extLst>
           </p:cNvPr>
@@ -1380,7 +1380,7 @@
           <p:cNvPr id="5" name="日期占位符 4">
             <a:extLst>
               <a:ext uri="{FF2B5EF4-FFF2-40B4-BE49-F238E27FC236}">
-                <a16:creationId xmlns:a16="http://schemas.microsoft.com/office/drawing/2014/main" id="{2F78E094-2E91-82A1-79E8-A36DD83B6FF9}"/>
+                <a16:creationId xmlns:a16="http://schemas.microsoft.com/office/drawing/2014/main" id="{9E3E6112-631F-23BE-643E-F2C6EC5DDDE7}"/>
               </a:ext>
             </a:extLst>
           </p:cNvPr>
@@ -1396,7 +1396,7 @@
           <a:bodyPr/>
           <a:lstStyle/>
           <a:p>
-            <a:fld id="{83EDB0BC-C575-4A4C-AFE8-31645BDC47E9}" type="datetimeFigureOut">
+            <a:fld id="{D754B860-B0AF-44B4-A9AA-1A6793093E98}" type="datetimeFigureOut">
               <a:rPr lang="zh-CN" altLang="en-US" smtClean="0"/>
               <a:t>2024/3/10</a:t>
             </a:fld>
@@ -1409,7 +1409,7 @@
           <p:cNvPr id="6" name="页脚占位符 5">
             <a:extLst>
               <a:ext uri="{FF2B5EF4-FFF2-40B4-BE49-F238E27FC236}">
-                <a16:creationId xmlns:a16="http://schemas.microsoft.com/office/drawing/2014/main" id="{9AD0F286-D2C9-2EAA-DBB5-2DF9A0515601}"/>
+                <a16:creationId xmlns:a16="http://schemas.microsoft.com/office/drawing/2014/main" id="{4C5E162D-9D20-999E-14D6-8706FEE6A110}"/>
               </a:ext>
             </a:extLst>
           </p:cNvPr>
@@ -1434,7 +1434,7 @@
           <p:cNvPr id="7" name="灯片编号占位符 6">
             <a:extLst>
               <a:ext uri="{FF2B5EF4-FFF2-40B4-BE49-F238E27FC236}">
-                <a16:creationId xmlns:a16="http://schemas.microsoft.com/office/drawing/2014/main" id="{57EC36B4-7780-CB4D-5E46-024DF37A2C54}"/>
+                <a16:creationId xmlns:a16="http://schemas.microsoft.com/office/drawing/2014/main" id="{065C173E-3756-A928-816D-9D80CA722AFB}"/>
               </a:ext>
             </a:extLst>
           </p:cNvPr>
@@ -1450,7 +1450,7 @@
           <a:bodyPr/>
           <a:lstStyle/>
           <a:p>
-            <a:fld id="{798C8AB1-C6FE-485F-A8AC-710E71562A89}" type="slidenum">
+            <a:fld id="{77E951E1-B99B-46E8-8DF4-3E5D8A85DE22}" type="slidenum">
               <a:rPr lang="zh-CN" altLang="en-US" smtClean="0"/>
               <a:t>‹#›</a:t>
             </a:fld>
@@ -1461,7 +1461,7 @@
     </p:spTree>
     <p:extLst>
       <p:ext uri="{BB962C8B-B14F-4D97-AF65-F5344CB8AC3E}">
-        <p14:creationId xmlns:p14="http://schemas.microsoft.com/office/powerpoint/2010/main" val="2335410907"/>
+        <p14:creationId xmlns:p14="http://schemas.microsoft.com/office/powerpoint/2010/main" val="1724543457"/>
       </p:ext>
     </p:extLst>
   </p:cSld>
@@ -1493,7 +1493,7 @@
           <p:cNvPr id="2" name="标题 1">
             <a:extLst>
               <a:ext uri="{FF2B5EF4-FFF2-40B4-BE49-F238E27FC236}">
-                <a16:creationId xmlns:a16="http://schemas.microsoft.com/office/drawing/2014/main" id="{B376E9FB-7F56-32FF-1E13-4F8B8522A87C}"/>
+                <a16:creationId xmlns:a16="http://schemas.microsoft.com/office/drawing/2014/main" id="{8A8BABF0-D578-766C-659A-C3176A358399}"/>
               </a:ext>
             </a:extLst>
           </p:cNvPr>
@@ -1526,7 +1526,7 @@
           <p:cNvPr id="3" name="文本占位符 2">
             <a:extLst>
               <a:ext uri="{FF2B5EF4-FFF2-40B4-BE49-F238E27FC236}">
-                <a16:creationId xmlns:a16="http://schemas.microsoft.com/office/drawing/2014/main" id="{2BADC0B0-15C3-625C-F56B-4A370B1AAC2C}"/>
+                <a16:creationId xmlns:a16="http://schemas.microsoft.com/office/drawing/2014/main" id="{03587E6D-6117-F173-91B1-FFE4480AA535}"/>
               </a:ext>
             </a:extLst>
           </p:cNvPr>
@@ -1597,7 +1597,7 @@
           <p:cNvPr id="4" name="内容占位符 3">
             <a:extLst>
               <a:ext uri="{FF2B5EF4-FFF2-40B4-BE49-F238E27FC236}">
-                <a16:creationId xmlns:a16="http://schemas.microsoft.com/office/drawing/2014/main" id="{15D105C4-6415-4BD8-AC00-3F4F8CEC54B6}"/>
+                <a16:creationId xmlns:a16="http://schemas.microsoft.com/office/drawing/2014/main" id="{8911BF9B-84F5-67AE-75A1-52150A2E3119}"/>
               </a:ext>
             </a:extLst>
           </p:cNvPr>
@@ -1659,7 +1659,7 @@
           <p:cNvPr id="5" name="文本占位符 4">
             <a:extLst>
               <a:ext uri="{FF2B5EF4-FFF2-40B4-BE49-F238E27FC236}">
-                <a16:creationId xmlns:a16="http://schemas.microsoft.com/office/drawing/2014/main" id="{BEBD8D9D-C9F1-A887-1374-0A612EE5806E}"/>
+                <a16:creationId xmlns:a16="http://schemas.microsoft.com/office/drawing/2014/main" id="{05733E43-92D0-8FC5-AC08-D80E206550D8}"/>
               </a:ext>
             </a:extLst>
           </p:cNvPr>
@@ -1730,7 +1730,7 @@
           <p:cNvPr id="6" name="内容占位符 5">
             <a:extLst>
               <a:ext uri="{FF2B5EF4-FFF2-40B4-BE49-F238E27FC236}">
-                <a16:creationId xmlns:a16="http://schemas.microsoft.com/office/drawing/2014/main" id="{511D1F48-48E6-B68D-3B20-B03EC14B3BDF}"/>
+                <a16:creationId xmlns:a16="http://schemas.microsoft.com/office/drawing/2014/main" id="{DC71936D-342C-B712-C5FD-2E2D3664F2CD}"/>
               </a:ext>
             </a:extLst>
           </p:cNvPr>
@@ -1792,7 +1792,7 @@
           <p:cNvPr id="7" name="日期占位符 6">
             <a:extLst>
               <a:ext uri="{FF2B5EF4-FFF2-40B4-BE49-F238E27FC236}">
-                <a16:creationId xmlns:a16="http://schemas.microsoft.com/office/drawing/2014/main" id="{54060B02-B80C-4B2F-24BD-84310833BC07}"/>
+                <a16:creationId xmlns:a16="http://schemas.microsoft.com/office/drawing/2014/main" id="{B054FC81-E37C-3460-4B86-87BFF85DAC4E}"/>
               </a:ext>
             </a:extLst>
           </p:cNvPr>
@@ -1808,7 +1808,7 @@
           <a:bodyPr/>
           <a:lstStyle/>
           <a:p>
-            <a:fld id="{83EDB0BC-C575-4A4C-AFE8-31645BDC47E9}" type="datetimeFigureOut">
+            <a:fld id="{D754B860-B0AF-44B4-A9AA-1A6793093E98}" type="datetimeFigureOut">
               <a:rPr lang="zh-CN" altLang="en-US" smtClean="0"/>
               <a:t>2024/3/10</a:t>
             </a:fld>
@@ -1821,7 +1821,7 @@
           <p:cNvPr id="8" name="页脚占位符 7">
             <a:extLst>
               <a:ext uri="{FF2B5EF4-FFF2-40B4-BE49-F238E27FC236}">
-                <a16:creationId xmlns:a16="http://schemas.microsoft.com/office/drawing/2014/main" id="{48C1925B-DFBF-2372-1C71-9F28C4ADFEED}"/>
+                <a16:creationId xmlns:a16="http://schemas.microsoft.com/office/drawing/2014/main" id="{5597E025-3747-E070-24EA-BC0AA30FAC8A}"/>
               </a:ext>
             </a:extLst>
           </p:cNvPr>
@@ -1846,7 +1846,7 @@
           <p:cNvPr id="9" name="灯片编号占位符 8">
             <a:extLst>
               <a:ext uri="{FF2B5EF4-FFF2-40B4-BE49-F238E27FC236}">
-                <a16:creationId xmlns:a16="http://schemas.microsoft.com/office/drawing/2014/main" id="{AF1281F0-7BBA-9B7C-2CD6-454FB78FC478}"/>
+                <a16:creationId xmlns:a16="http://schemas.microsoft.com/office/drawing/2014/main" id="{9592BF69-16E2-C479-E475-729DC2D18472}"/>
               </a:ext>
             </a:extLst>
           </p:cNvPr>
@@ -1862,7 +1862,7 @@
           <a:bodyPr/>
           <a:lstStyle/>
           <a:p>
-            <a:fld id="{798C8AB1-C6FE-485F-A8AC-710E71562A89}" type="slidenum">
+            <a:fld id="{77E951E1-B99B-46E8-8DF4-3E5D8A85DE22}" type="slidenum">
               <a:rPr lang="zh-CN" altLang="en-US" smtClean="0"/>
               <a:t>‹#›</a:t>
             </a:fld>
@@ -1873,7 +1873,7 @@
     </p:spTree>
     <p:extLst>
       <p:ext uri="{BB962C8B-B14F-4D97-AF65-F5344CB8AC3E}">
-        <p14:creationId xmlns:p14="http://schemas.microsoft.com/office/powerpoint/2010/main" val="2210396209"/>
+        <p14:creationId xmlns:p14="http://schemas.microsoft.com/office/powerpoint/2010/main" val="4148203170"/>
       </p:ext>
     </p:extLst>
   </p:cSld>
@@ -1905,7 +1905,7 @@
           <p:cNvPr id="2" name="标题 1">
             <a:extLst>
               <a:ext uri="{FF2B5EF4-FFF2-40B4-BE49-F238E27FC236}">
-                <a16:creationId xmlns:a16="http://schemas.microsoft.com/office/drawing/2014/main" id="{45F75C42-BF3D-2A48-A276-63B32087563B}"/>
+                <a16:creationId xmlns:a16="http://schemas.microsoft.com/office/drawing/2014/main" id="{416989E1-9CFC-7B1B-E38A-5F8C5CC7D71C}"/>
               </a:ext>
             </a:extLst>
           </p:cNvPr>
@@ -1933,7 +1933,7 @@
           <p:cNvPr id="3" name="日期占位符 2">
             <a:extLst>
               <a:ext uri="{FF2B5EF4-FFF2-40B4-BE49-F238E27FC236}">
-                <a16:creationId xmlns:a16="http://schemas.microsoft.com/office/drawing/2014/main" id="{5F921FB1-EB7A-4AB0-C25F-1EA97A4B6B2C}"/>
+                <a16:creationId xmlns:a16="http://schemas.microsoft.com/office/drawing/2014/main" id="{AE8F2437-F369-DD62-6AFE-DF1F6A4B6B1A}"/>
               </a:ext>
             </a:extLst>
           </p:cNvPr>
@@ -1949,7 +1949,7 @@
           <a:bodyPr/>
           <a:lstStyle/>
           <a:p>
-            <a:fld id="{83EDB0BC-C575-4A4C-AFE8-31645BDC47E9}" type="datetimeFigureOut">
+            <a:fld id="{D754B860-B0AF-44B4-A9AA-1A6793093E98}" type="datetimeFigureOut">
               <a:rPr lang="zh-CN" altLang="en-US" smtClean="0"/>
               <a:t>2024/3/10</a:t>
             </a:fld>
@@ -1962,7 +1962,7 @@
           <p:cNvPr id="4" name="页脚占位符 3">
             <a:extLst>
               <a:ext uri="{FF2B5EF4-FFF2-40B4-BE49-F238E27FC236}">
-                <a16:creationId xmlns:a16="http://schemas.microsoft.com/office/drawing/2014/main" id="{E33FF9D9-8F04-38B7-DD5A-27C625251D57}"/>
+                <a16:creationId xmlns:a16="http://schemas.microsoft.com/office/drawing/2014/main" id="{939964C3-B1D2-48E6-E512-B18C8322BC39}"/>
               </a:ext>
             </a:extLst>
           </p:cNvPr>
@@ -1987,7 +1987,7 @@
           <p:cNvPr id="5" name="灯片编号占位符 4">
             <a:extLst>
               <a:ext uri="{FF2B5EF4-FFF2-40B4-BE49-F238E27FC236}">
-                <a16:creationId xmlns:a16="http://schemas.microsoft.com/office/drawing/2014/main" id="{48FD1EC0-1FB3-EAAB-BE9B-8F7FC7F70CE7}"/>
+                <a16:creationId xmlns:a16="http://schemas.microsoft.com/office/drawing/2014/main" id="{1C7B1A10-BF2D-13FF-DB8E-57D73B53DA2B}"/>
               </a:ext>
             </a:extLst>
           </p:cNvPr>
@@ -2003,7 +2003,7 @@
           <a:bodyPr/>
           <a:lstStyle/>
           <a:p>
-            <a:fld id="{798C8AB1-C6FE-485F-A8AC-710E71562A89}" type="slidenum">
+            <a:fld id="{77E951E1-B99B-46E8-8DF4-3E5D8A85DE22}" type="slidenum">
               <a:rPr lang="zh-CN" altLang="en-US" smtClean="0"/>
               <a:t>‹#›</a:t>
             </a:fld>
@@ -2014,7 +2014,7 @@
     </p:spTree>
     <p:extLst>
       <p:ext uri="{BB962C8B-B14F-4D97-AF65-F5344CB8AC3E}">
-        <p14:creationId xmlns:p14="http://schemas.microsoft.com/office/powerpoint/2010/main" val="1052974456"/>
+        <p14:creationId xmlns:p14="http://schemas.microsoft.com/office/powerpoint/2010/main" val="3095045151"/>
       </p:ext>
     </p:extLst>
   </p:cSld>
@@ -2046,7 +2046,7 @@
           <p:cNvPr id="2" name="日期占位符 1">
             <a:extLst>
               <a:ext uri="{FF2B5EF4-FFF2-40B4-BE49-F238E27FC236}">
-                <a16:creationId xmlns:a16="http://schemas.microsoft.com/office/drawing/2014/main" id="{BF7A747F-57F7-B166-5176-373A3A5A9DC2}"/>
+                <a16:creationId xmlns:a16="http://schemas.microsoft.com/office/drawing/2014/main" id="{20B5BB57-0642-FAB5-F432-18314741A238}"/>
               </a:ext>
             </a:extLst>
           </p:cNvPr>
@@ -2062,7 +2062,7 @@
           <a:bodyPr/>
           <a:lstStyle/>
           <a:p>
-            <a:fld id="{83EDB0BC-C575-4A4C-AFE8-31645BDC47E9}" type="datetimeFigureOut">
+            <a:fld id="{D754B860-B0AF-44B4-A9AA-1A6793093E98}" type="datetimeFigureOut">
               <a:rPr lang="zh-CN" altLang="en-US" smtClean="0"/>
               <a:t>2024/3/10</a:t>
             </a:fld>
@@ -2075,7 +2075,7 @@
           <p:cNvPr id="3" name="页脚占位符 2">
             <a:extLst>
               <a:ext uri="{FF2B5EF4-FFF2-40B4-BE49-F238E27FC236}">
-                <a16:creationId xmlns:a16="http://schemas.microsoft.com/office/drawing/2014/main" id="{B8DFC3F9-122D-9C0B-1A41-8EC7A2302387}"/>
+                <a16:creationId xmlns:a16="http://schemas.microsoft.com/office/drawing/2014/main" id="{C8B46CE2-BFF8-C470-33CF-4B01B8B57CF6}"/>
               </a:ext>
             </a:extLst>
           </p:cNvPr>
@@ -2100,7 +2100,7 @@
           <p:cNvPr id="4" name="灯片编号占位符 3">
             <a:extLst>
               <a:ext uri="{FF2B5EF4-FFF2-40B4-BE49-F238E27FC236}">
-                <a16:creationId xmlns:a16="http://schemas.microsoft.com/office/drawing/2014/main" id="{64BBCDB7-B6A7-0EAA-5771-9BC32A14BEE9}"/>
+                <a16:creationId xmlns:a16="http://schemas.microsoft.com/office/drawing/2014/main" id="{EBAD7C1E-EDCE-BA13-5333-83133605AF5B}"/>
               </a:ext>
             </a:extLst>
           </p:cNvPr>
@@ -2116,7 +2116,7 @@
           <a:bodyPr/>
           <a:lstStyle/>
           <a:p>
-            <a:fld id="{798C8AB1-C6FE-485F-A8AC-710E71562A89}" type="slidenum">
+            <a:fld id="{77E951E1-B99B-46E8-8DF4-3E5D8A85DE22}" type="slidenum">
               <a:rPr lang="zh-CN" altLang="en-US" smtClean="0"/>
               <a:t>‹#›</a:t>
             </a:fld>
@@ -2127,7 +2127,7 @@
     </p:spTree>
     <p:extLst>
       <p:ext uri="{BB962C8B-B14F-4D97-AF65-F5344CB8AC3E}">
-        <p14:creationId xmlns:p14="http://schemas.microsoft.com/office/powerpoint/2010/main" val="1217867993"/>
+        <p14:creationId xmlns:p14="http://schemas.microsoft.com/office/powerpoint/2010/main" val="640296180"/>
       </p:ext>
     </p:extLst>
   </p:cSld>
@@ -2159,7 +2159,7 @@
           <p:cNvPr id="2" name="标题 1">
             <a:extLst>
               <a:ext uri="{FF2B5EF4-FFF2-40B4-BE49-F238E27FC236}">
-                <a16:creationId xmlns:a16="http://schemas.microsoft.com/office/drawing/2014/main" id="{D35B6472-DA5A-8830-BA7A-A8F055D48E82}"/>
+                <a16:creationId xmlns:a16="http://schemas.microsoft.com/office/drawing/2014/main" id="{DAE07017-4888-AEB6-8DDA-5EA65888A432}"/>
               </a:ext>
             </a:extLst>
           </p:cNvPr>
@@ -2196,7 +2196,7 @@
           <p:cNvPr id="3" name="内容占位符 2">
             <a:extLst>
               <a:ext uri="{FF2B5EF4-FFF2-40B4-BE49-F238E27FC236}">
-                <a16:creationId xmlns:a16="http://schemas.microsoft.com/office/drawing/2014/main" id="{9B9AD96C-CC96-254A-B121-8890BF48DAE3}"/>
+                <a16:creationId xmlns:a16="http://schemas.microsoft.com/office/drawing/2014/main" id="{CFF767F4-BC4A-1143-4BCB-9045DACE43CF}"/>
               </a:ext>
             </a:extLst>
           </p:cNvPr>
@@ -2286,7 +2286,7 @@
           <p:cNvPr id="4" name="文本占位符 3">
             <a:extLst>
               <a:ext uri="{FF2B5EF4-FFF2-40B4-BE49-F238E27FC236}">
-                <a16:creationId xmlns:a16="http://schemas.microsoft.com/office/drawing/2014/main" id="{B8D57AEE-D3B2-8DBC-9A8E-167424030766}"/>
+                <a16:creationId xmlns:a16="http://schemas.microsoft.com/office/drawing/2014/main" id="{A190AE63-5181-F1CE-3DF6-EF54BEBAA185}"/>
               </a:ext>
             </a:extLst>
           </p:cNvPr>
@@ -2357,7 +2357,7 @@
           <p:cNvPr id="5" name="日期占位符 4">
             <a:extLst>
               <a:ext uri="{FF2B5EF4-FFF2-40B4-BE49-F238E27FC236}">
-                <a16:creationId xmlns:a16="http://schemas.microsoft.com/office/drawing/2014/main" id="{F5F59318-F96A-7895-B9CE-7C994A6087FB}"/>
+                <a16:creationId xmlns:a16="http://schemas.microsoft.com/office/drawing/2014/main" id="{9BF20519-CAB4-8BA5-3186-4B629E3C54FB}"/>
               </a:ext>
             </a:extLst>
           </p:cNvPr>
@@ -2373,7 +2373,7 @@
           <a:bodyPr/>
           <a:lstStyle/>
           <a:p>
-            <a:fld id="{83EDB0BC-C575-4A4C-AFE8-31645BDC47E9}" type="datetimeFigureOut">
+            <a:fld id="{D754B860-B0AF-44B4-A9AA-1A6793093E98}" type="datetimeFigureOut">
               <a:rPr lang="zh-CN" altLang="en-US" smtClean="0"/>
               <a:t>2024/3/10</a:t>
             </a:fld>
@@ -2386,7 +2386,7 @@
           <p:cNvPr id="6" name="页脚占位符 5">
             <a:extLst>
               <a:ext uri="{FF2B5EF4-FFF2-40B4-BE49-F238E27FC236}">
-                <a16:creationId xmlns:a16="http://schemas.microsoft.com/office/drawing/2014/main" id="{4E8B0F19-02AE-5A3E-5E0A-AF6B93E91548}"/>
+                <a16:creationId xmlns:a16="http://schemas.microsoft.com/office/drawing/2014/main" id="{3AC3BC22-30FB-5A7C-C4A4-73894A2E1D3B}"/>
               </a:ext>
             </a:extLst>
           </p:cNvPr>
@@ -2411,7 +2411,7 @@
           <p:cNvPr id="7" name="灯片编号占位符 6">
             <a:extLst>
               <a:ext uri="{FF2B5EF4-FFF2-40B4-BE49-F238E27FC236}">
-                <a16:creationId xmlns:a16="http://schemas.microsoft.com/office/drawing/2014/main" id="{4FD089A0-D9BB-EEF4-9573-A4CDD25187E4}"/>
+                <a16:creationId xmlns:a16="http://schemas.microsoft.com/office/drawing/2014/main" id="{23FE06E6-A754-B11D-A11E-3620846244FC}"/>
               </a:ext>
             </a:extLst>
           </p:cNvPr>
@@ -2427,7 +2427,7 @@
           <a:bodyPr/>
           <a:lstStyle/>
           <a:p>
-            <a:fld id="{798C8AB1-C6FE-485F-A8AC-710E71562A89}" type="slidenum">
+            <a:fld id="{77E951E1-B99B-46E8-8DF4-3E5D8A85DE22}" type="slidenum">
               <a:rPr lang="zh-CN" altLang="en-US" smtClean="0"/>
               <a:t>‹#›</a:t>
             </a:fld>
@@ -2438,7 +2438,7 @@
     </p:spTree>
     <p:extLst>
       <p:ext uri="{BB962C8B-B14F-4D97-AF65-F5344CB8AC3E}">
-        <p14:creationId xmlns:p14="http://schemas.microsoft.com/office/powerpoint/2010/main" val="1745840331"/>
+        <p14:creationId xmlns:p14="http://schemas.microsoft.com/office/powerpoint/2010/main" val="2751231446"/>
       </p:ext>
     </p:extLst>
   </p:cSld>
@@ -2470,7 +2470,7 @@
           <p:cNvPr id="2" name="标题 1">
             <a:extLst>
               <a:ext uri="{FF2B5EF4-FFF2-40B4-BE49-F238E27FC236}">
-                <a16:creationId xmlns:a16="http://schemas.microsoft.com/office/drawing/2014/main" id="{0CADDA48-FB0E-AEEB-DB0A-C888579E7A07}"/>
+                <a16:creationId xmlns:a16="http://schemas.microsoft.com/office/drawing/2014/main" id="{18443836-8203-1310-223B-E1F5C4381CDB}"/>
               </a:ext>
             </a:extLst>
           </p:cNvPr>
@@ -2507,7 +2507,7 @@
           <p:cNvPr id="3" name="图片占位符 2">
             <a:extLst>
               <a:ext uri="{FF2B5EF4-FFF2-40B4-BE49-F238E27FC236}">
-                <a16:creationId xmlns:a16="http://schemas.microsoft.com/office/drawing/2014/main" id="{D10422F1-22A9-13D2-4B0F-09A34A0F0869}"/>
+                <a16:creationId xmlns:a16="http://schemas.microsoft.com/office/drawing/2014/main" id="{A3B419A2-C1A7-5E61-058B-6B2FAEA95108}"/>
               </a:ext>
             </a:extLst>
           </p:cNvPr>
@@ -2574,7 +2574,7 @@
           <p:cNvPr id="4" name="文本占位符 3">
             <a:extLst>
               <a:ext uri="{FF2B5EF4-FFF2-40B4-BE49-F238E27FC236}">
-                <a16:creationId xmlns:a16="http://schemas.microsoft.com/office/drawing/2014/main" id="{D4D09872-A74C-9274-6931-E0728E00B9A1}"/>
+                <a16:creationId xmlns:a16="http://schemas.microsoft.com/office/drawing/2014/main" id="{359FA95A-616F-B850-37A9-1AD252D902B1}"/>
               </a:ext>
             </a:extLst>
           </p:cNvPr>
@@ -2645,7 +2645,7 @@
           <p:cNvPr id="5" name="日期占位符 4">
             <a:extLst>
               <a:ext uri="{FF2B5EF4-FFF2-40B4-BE49-F238E27FC236}">
-                <a16:creationId xmlns:a16="http://schemas.microsoft.com/office/drawing/2014/main" id="{7C8914D1-548D-BC52-C51E-5ACEFA63F7BA}"/>
+                <a16:creationId xmlns:a16="http://schemas.microsoft.com/office/drawing/2014/main" id="{03D40953-99FB-2754-8A52-A1CDDBAD15F5}"/>
               </a:ext>
             </a:extLst>
           </p:cNvPr>
@@ -2661,7 +2661,7 @@
           <a:bodyPr/>
           <a:lstStyle/>
           <a:p>
-            <a:fld id="{83EDB0BC-C575-4A4C-AFE8-31645BDC47E9}" type="datetimeFigureOut">
+            <a:fld id="{D754B860-B0AF-44B4-A9AA-1A6793093E98}" type="datetimeFigureOut">
               <a:rPr lang="zh-CN" altLang="en-US" smtClean="0"/>
               <a:t>2024/3/10</a:t>
             </a:fld>
@@ -2674,7 +2674,7 @@
           <p:cNvPr id="6" name="页脚占位符 5">
             <a:extLst>
               <a:ext uri="{FF2B5EF4-FFF2-40B4-BE49-F238E27FC236}">
-                <a16:creationId xmlns:a16="http://schemas.microsoft.com/office/drawing/2014/main" id="{4085677F-8C14-ADAF-9BCF-0AFE42F019C8}"/>
+                <a16:creationId xmlns:a16="http://schemas.microsoft.com/office/drawing/2014/main" id="{F5C7F47E-1A54-9493-1965-8A964207A890}"/>
               </a:ext>
             </a:extLst>
           </p:cNvPr>
@@ -2699,7 +2699,7 @@
           <p:cNvPr id="7" name="灯片编号占位符 6">
             <a:extLst>
               <a:ext uri="{FF2B5EF4-FFF2-40B4-BE49-F238E27FC236}">
-                <a16:creationId xmlns:a16="http://schemas.microsoft.com/office/drawing/2014/main" id="{09E9E272-B13C-8ED0-D5D7-0B3F3C6C7BB7}"/>
+                <a16:creationId xmlns:a16="http://schemas.microsoft.com/office/drawing/2014/main" id="{56887978-8049-83D2-FEDA-075B2EC2330F}"/>
               </a:ext>
             </a:extLst>
           </p:cNvPr>
@@ -2715,7 +2715,7 @@
           <a:bodyPr/>
           <a:lstStyle/>
           <a:p>
-            <a:fld id="{798C8AB1-C6FE-485F-A8AC-710E71562A89}" type="slidenum">
+            <a:fld id="{77E951E1-B99B-46E8-8DF4-3E5D8A85DE22}" type="slidenum">
               <a:rPr lang="zh-CN" altLang="en-US" smtClean="0"/>
               <a:t>‹#›</a:t>
             </a:fld>
@@ -2726,7 +2726,7 @@
     </p:spTree>
     <p:extLst>
       <p:ext uri="{BB962C8B-B14F-4D97-AF65-F5344CB8AC3E}">
-        <p14:creationId xmlns:p14="http://schemas.microsoft.com/office/powerpoint/2010/main" val="538160004"/>
+        <p14:creationId xmlns:p14="http://schemas.microsoft.com/office/powerpoint/2010/main" val="1755840232"/>
       </p:ext>
     </p:extLst>
   </p:cSld>
@@ -2763,7 +2763,7 @@
           <p:cNvPr id="2" name="标题占位符 1">
             <a:extLst>
               <a:ext uri="{FF2B5EF4-FFF2-40B4-BE49-F238E27FC236}">
-                <a16:creationId xmlns:a16="http://schemas.microsoft.com/office/drawing/2014/main" id="{92ECDC54-5F13-440C-E797-0627A08EAC44}"/>
+                <a16:creationId xmlns:a16="http://schemas.microsoft.com/office/drawing/2014/main" id="{80377B1B-E99E-F621-3D05-41F6F6DF3203}"/>
               </a:ext>
             </a:extLst>
           </p:cNvPr>
@@ -2801,7 +2801,7 @@
           <p:cNvPr id="3" name="文本占位符 2">
             <a:extLst>
               <a:ext uri="{FF2B5EF4-FFF2-40B4-BE49-F238E27FC236}">
-                <a16:creationId xmlns:a16="http://schemas.microsoft.com/office/drawing/2014/main" id="{CAB738D3-710E-085B-261A-FA6CEE1D6EB8}"/>
+                <a16:creationId xmlns:a16="http://schemas.microsoft.com/office/drawing/2014/main" id="{83C633A0-6B12-91F0-75DB-BCE426944F5D}"/>
               </a:ext>
             </a:extLst>
           </p:cNvPr>
@@ -2868,7 +2868,7 @@
           <p:cNvPr id="4" name="日期占位符 3">
             <a:extLst>
               <a:ext uri="{FF2B5EF4-FFF2-40B4-BE49-F238E27FC236}">
-                <a16:creationId xmlns:a16="http://schemas.microsoft.com/office/drawing/2014/main" id="{CAEE7E2C-37B8-26C1-E392-671614D1AD4E}"/>
+                <a16:creationId xmlns:a16="http://schemas.microsoft.com/office/drawing/2014/main" id="{2260E243-A264-BB8C-DB0C-3BE4B20F9BE7}"/>
               </a:ext>
             </a:extLst>
           </p:cNvPr>
@@ -2902,7 +2902,7 @@
             </a:lvl1pPr>
           </a:lstStyle>
           <a:p>
-            <a:fld id="{83EDB0BC-C575-4A4C-AFE8-31645BDC47E9}" type="datetimeFigureOut">
+            <a:fld id="{D754B860-B0AF-44B4-A9AA-1A6793093E98}" type="datetimeFigureOut">
               <a:rPr lang="zh-CN" altLang="en-US" smtClean="0"/>
               <a:t>2024/3/10</a:t>
             </a:fld>
@@ -2915,7 +2915,7 @@
           <p:cNvPr id="5" name="页脚占位符 4">
             <a:extLst>
               <a:ext uri="{FF2B5EF4-FFF2-40B4-BE49-F238E27FC236}">
-                <a16:creationId xmlns:a16="http://schemas.microsoft.com/office/drawing/2014/main" id="{2AC682F5-93B3-ED05-71FB-A2A363B3BDE1}"/>
+                <a16:creationId xmlns:a16="http://schemas.microsoft.com/office/drawing/2014/main" id="{9FC583D4-AD7F-BE70-44A4-6D6E0B11CA06}"/>
               </a:ext>
             </a:extLst>
           </p:cNvPr>
@@ -2958,7 +2958,7 @@
           <p:cNvPr id="6" name="灯片编号占位符 5">
             <a:extLst>
               <a:ext uri="{FF2B5EF4-FFF2-40B4-BE49-F238E27FC236}">
-                <a16:creationId xmlns:a16="http://schemas.microsoft.com/office/drawing/2014/main" id="{4849DC13-E9ED-BC5C-A2CB-FC14548DF3DC}"/>
+                <a16:creationId xmlns:a16="http://schemas.microsoft.com/office/drawing/2014/main" id="{A98B91E8-F7D5-C2BC-7CE5-224A40CD6F85}"/>
               </a:ext>
             </a:extLst>
           </p:cNvPr>
@@ -2992,7 +2992,7 @@
             </a:lvl1pPr>
           </a:lstStyle>
           <a:p>
-            <a:fld id="{798C8AB1-C6FE-485F-A8AC-710E71562A89}" type="slidenum">
+            <a:fld id="{77E951E1-B99B-46E8-8DF4-3E5D8A85DE22}" type="slidenum">
               <a:rPr lang="zh-CN" altLang="en-US" smtClean="0"/>
               <a:t>‹#›</a:t>
             </a:fld>
@@ -3003,7 +3003,7 @@
     </p:spTree>
     <p:extLst>
       <p:ext uri="{BB962C8B-B14F-4D97-AF65-F5344CB8AC3E}">
-        <p14:creationId xmlns:p14="http://schemas.microsoft.com/office/powerpoint/2010/main" val="2069859558"/>
+        <p14:creationId xmlns:p14="http://schemas.microsoft.com/office/powerpoint/2010/main" val="1657230981"/>
       </p:ext>
     </p:extLst>
   </p:cSld>
